--- a/Smart pricing using Excel/Maximizing Profitability Through Smart Pricing Presentation.pptx
+++ b/Smart pricing using Excel/Maximizing Profitability Through Smart Pricing Presentation.pptx
@@ -141,31 +141,23 @@
 </p:cmAuthorLst>
 </file>
 
-<file path=ppt/revisionInfo.xml><?xml version="1.0" encoding="utf-8"?>
-<p1510:revInfo xmlns:a="http://schemas.openxmlformats.org/drawingml/2006/main" xmlns:r="http://schemas.openxmlformats.org/officeDocument/2006/relationships" xmlns:p1510="http://schemas.microsoft.com/office/powerpoint/2015/10/main">
-  <p1510:revLst>
-    <p1510:client id="{C9E2EB67-3DE0-4E0D-84E7-50676CA581EC}" v="20" dt="2025-07-23T18:56:09.840"/>
-  </p1510:revLst>
-</p1510:revInfo>
-</file>
-
 <file path=ppt/changesInfos/changesInfo1.xml><?xml version="1.0" encoding="utf-8"?>
 <pc:chgInfo xmlns:a="http://schemas.openxmlformats.org/drawingml/2006/main" xmlns:r="http://schemas.openxmlformats.org/officeDocument/2006/relationships" xmlns:ac="http://schemas.microsoft.com/office/drawing/2013/main/command" xmlns:pc="http://schemas.microsoft.com/office/powerpoint/2013/main/command">
   <pc:docChgLst>
-    <pc:chgData name="Lei L" userId="fffa66e71c035d84" providerId="LiveId" clId="{C9E2EB67-3DE0-4E0D-84E7-50676CA581EC}"/>
-    <pc:docChg chg="custSel addSld delSld modSld sldOrd">
-      <pc:chgData name="Lei L" userId="fffa66e71c035d84" providerId="LiveId" clId="{C9E2EB67-3DE0-4E0D-84E7-50676CA581EC}" dt="2025-07-23T18:56:14.604" v="3052" actId="27636"/>
+    <pc:chgData name="Lei L" userId="fffa66e71c035d84" providerId="LiveId" clId="{B3F27301-026F-470C-852D-61FD378DE2B1}"/>
+    <pc:docChg chg="undo custSel addSld delSld modSld">
+      <pc:chgData name="Lei L" userId="fffa66e71c035d84" providerId="LiveId" clId="{B3F27301-026F-470C-852D-61FD378DE2B1}" dt="2025-07-23T21:05:59.095" v="55" actId="2696"/>
       <pc:docMkLst>
         <pc:docMk/>
       </pc:docMkLst>
       <pc:sldChg chg="modSp mod">
-        <pc:chgData name="Lei L" userId="fffa66e71c035d84" providerId="LiveId" clId="{C9E2EB67-3DE0-4E0D-84E7-50676CA581EC}" dt="2025-07-23T18:33:18.649" v="2277" actId="20577"/>
+        <pc:chgData name="Lei L" userId="fffa66e71c035d84" providerId="LiveId" clId="{B3F27301-026F-470C-852D-61FD378DE2B1}" dt="2025-07-23T21:04:04.513" v="14" actId="20577"/>
         <pc:sldMkLst>
           <pc:docMk/>
           <pc:sldMk cId="1325608595" sldId="257"/>
         </pc:sldMkLst>
         <pc:spChg chg="mod">
-          <ac:chgData name="Lei L" userId="fffa66e71c035d84" providerId="LiveId" clId="{C9E2EB67-3DE0-4E0D-84E7-50676CA581EC}" dt="2025-07-23T18:33:18.649" v="2277" actId="20577"/>
+          <ac:chgData name="Lei L" userId="fffa66e71c035d84" providerId="LiveId" clId="{B3F27301-026F-470C-852D-61FD378DE2B1}" dt="2025-07-23T21:04:04.513" v="14" actId="20577"/>
           <ac:spMkLst>
             <pc:docMk/>
             <pc:sldMk cId="1325608595" sldId="257"/>
@@ -173,397 +165,21 @@
           </ac:spMkLst>
         </pc:spChg>
       </pc:sldChg>
-      <pc:sldChg chg="addSp modSp del mod">
-        <pc:chgData name="Lei L" userId="fffa66e71c035d84" providerId="LiveId" clId="{C9E2EB67-3DE0-4E0D-84E7-50676CA581EC}" dt="2025-07-23T18:30:20.190" v="2096" actId="2696"/>
-        <pc:sldMkLst>
-          <pc:docMk/>
-          <pc:sldMk cId="3662677160" sldId="286"/>
-        </pc:sldMkLst>
-        <pc:spChg chg="mod">
-          <ac:chgData name="Lei L" userId="fffa66e71c035d84" providerId="LiveId" clId="{C9E2EB67-3DE0-4E0D-84E7-50676CA581EC}" dt="2025-07-23T17:36:38.157" v="77" actId="1076"/>
-          <ac:spMkLst>
-            <pc:docMk/>
-            <pc:sldMk cId="3662677160" sldId="286"/>
-            <ac:spMk id="2" creationId="{6F148DD4-4828-CE87-0C5C-42BE175E8DA5}"/>
-          </ac:spMkLst>
-        </pc:spChg>
-        <pc:spChg chg="add mod">
-          <ac:chgData name="Lei L" userId="fffa66e71c035d84" providerId="LiveId" clId="{C9E2EB67-3DE0-4E0D-84E7-50676CA581EC}" dt="2025-07-23T17:37:01.793" v="79" actId="14100"/>
-          <ac:spMkLst>
-            <pc:docMk/>
-            <pc:sldMk cId="3662677160" sldId="286"/>
-            <ac:spMk id="3" creationId="{8150E02E-8CFD-5854-12DF-659AF73D2BEE}"/>
-          </ac:spMkLst>
-        </pc:spChg>
-      </pc:sldChg>
-      <pc:sldChg chg="del">
-        <pc:chgData name="Lei L" userId="fffa66e71c035d84" providerId="LiveId" clId="{C9E2EB67-3DE0-4E0D-84E7-50676CA581EC}" dt="2025-07-23T18:37:54.488" v="2480" actId="2696"/>
-        <pc:sldMkLst>
-          <pc:docMk/>
-          <pc:sldMk cId="779750606" sldId="288"/>
-        </pc:sldMkLst>
-      </pc:sldChg>
-      <pc:sldChg chg="del">
-        <pc:chgData name="Lei L" userId="fffa66e71c035d84" providerId="LiveId" clId="{C9E2EB67-3DE0-4E0D-84E7-50676CA581EC}" dt="2025-07-23T18:38:25.485" v="2484" actId="2696"/>
-        <pc:sldMkLst>
-          <pc:docMk/>
-          <pc:sldMk cId="2529338794" sldId="289"/>
-        </pc:sldMkLst>
-      </pc:sldChg>
-      <pc:sldChg chg="del">
-        <pc:chgData name="Lei L" userId="fffa66e71c035d84" providerId="LiveId" clId="{C9E2EB67-3DE0-4E0D-84E7-50676CA581EC}" dt="2025-07-23T18:38:18.498" v="2483" actId="2696"/>
-        <pc:sldMkLst>
-          <pc:docMk/>
-          <pc:sldMk cId="1265939620" sldId="290"/>
-        </pc:sldMkLst>
-      </pc:sldChg>
-      <pc:sldChg chg="del">
-        <pc:chgData name="Lei L" userId="fffa66e71c035d84" providerId="LiveId" clId="{C9E2EB67-3DE0-4E0D-84E7-50676CA581EC}" dt="2025-07-23T18:38:15.225" v="2482" actId="2696"/>
-        <pc:sldMkLst>
-          <pc:docMk/>
-          <pc:sldMk cId="2652102883" sldId="291"/>
-        </pc:sldMkLst>
-      </pc:sldChg>
-      <pc:sldChg chg="del">
-        <pc:chgData name="Lei L" userId="fffa66e71c035d84" providerId="LiveId" clId="{C9E2EB67-3DE0-4E0D-84E7-50676CA581EC}" dt="2025-07-23T18:38:39.147" v="2487" actId="2696"/>
-        <pc:sldMkLst>
-          <pc:docMk/>
-          <pc:sldMk cId="362649583" sldId="292"/>
-        </pc:sldMkLst>
-      </pc:sldChg>
-      <pc:sldChg chg="del">
-        <pc:chgData name="Lei L" userId="fffa66e71c035d84" providerId="LiveId" clId="{C9E2EB67-3DE0-4E0D-84E7-50676CA581EC}" dt="2025-07-23T18:42:47.258" v="2754" actId="2696"/>
-        <pc:sldMkLst>
-          <pc:docMk/>
-          <pc:sldMk cId="853261029" sldId="294"/>
-        </pc:sldMkLst>
-      </pc:sldChg>
-      <pc:sldChg chg="del">
-        <pc:chgData name="Lei L" userId="fffa66e71c035d84" providerId="LiveId" clId="{C9E2EB67-3DE0-4E0D-84E7-50676CA581EC}" dt="2025-07-23T18:38:04.105" v="2481" actId="2696"/>
-        <pc:sldMkLst>
-          <pc:docMk/>
-          <pc:sldMk cId="907915534" sldId="295"/>
-        </pc:sldMkLst>
-      </pc:sldChg>
-      <pc:sldChg chg="modSp mod">
-        <pc:chgData name="Lei L" userId="fffa66e71c035d84" providerId="LiveId" clId="{C9E2EB67-3DE0-4E0D-84E7-50676CA581EC}" dt="2025-07-23T18:43:13.208" v="2755" actId="6549"/>
+      <pc:sldChg chg="add del">
+        <pc:chgData name="Lei L" userId="fffa66e71c035d84" providerId="LiveId" clId="{B3F27301-026F-470C-852D-61FD378DE2B1}" dt="2025-07-23T21:05:59.095" v="55" actId="2696"/>
         <pc:sldMkLst>
           <pc:docMk/>
           <pc:sldMk cId="1609673525" sldId="296"/>
         </pc:sldMkLst>
-        <pc:spChg chg="mod">
-          <ac:chgData name="Lei L" userId="fffa66e71c035d84" providerId="LiveId" clId="{C9E2EB67-3DE0-4E0D-84E7-50676CA581EC}" dt="2025-07-23T18:43:13.208" v="2755" actId="6549"/>
-          <ac:spMkLst>
-            <pc:docMk/>
-            <pc:sldMk cId="1609673525" sldId="296"/>
-            <ac:spMk id="5" creationId="{67BB04B7-47A4-741B-59E0-F0E6F2126E8F}"/>
-          </ac:spMkLst>
-        </pc:spChg>
       </pc:sldChg>
-      <pc:sldChg chg="del">
-        <pc:chgData name="Lei L" userId="fffa66e71c035d84" providerId="LiveId" clId="{C9E2EB67-3DE0-4E0D-84E7-50676CA581EC}" dt="2025-07-23T18:38:28.762" v="2485" actId="2696"/>
-        <pc:sldMkLst>
-          <pc:docMk/>
-          <pc:sldMk cId="4117153350" sldId="297"/>
-        </pc:sldMkLst>
-      </pc:sldChg>
-      <pc:sldChg chg="del">
-        <pc:chgData name="Lei L" userId="fffa66e71c035d84" providerId="LiveId" clId="{C9E2EB67-3DE0-4E0D-84E7-50676CA581EC}" dt="2025-07-23T18:38:34.202" v="2486" actId="2696"/>
-        <pc:sldMkLst>
-          <pc:docMk/>
-          <pc:sldMk cId="1678163377" sldId="298"/>
-        </pc:sldMkLst>
-      </pc:sldChg>
-      <pc:sldChg chg="delSp modSp new mod">
-        <pc:chgData name="Lei L" userId="fffa66e71c035d84" providerId="LiveId" clId="{C9E2EB67-3DE0-4E0D-84E7-50676CA581EC}" dt="2025-07-23T18:51:08.719" v="2872" actId="6549"/>
-        <pc:sldMkLst>
-          <pc:docMk/>
-          <pc:sldMk cId="1061405587" sldId="299"/>
-        </pc:sldMkLst>
-        <pc:spChg chg="mod">
-          <ac:chgData name="Lei L" userId="fffa66e71c035d84" providerId="LiveId" clId="{C9E2EB67-3DE0-4E0D-84E7-50676CA581EC}" dt="2025-07-23T17:38:51.516" v="96" actId="20577"/>
-          <ac:spMkLst>
-            <pc:docMk/>
-            <pc:sldMk cId="1061405587" sldId="299"/>
-            <ac:spMk id="2" creationId="{F162FD2B-93ED-B938-4EEB-52AC2C82744E}"/>
-          </ac:spMkLst>
-        </pc:spChg>
-        <pc:spChg chg="mod">
-          <ac:chgData name="Lei L" userId="fffa66e71c035d84" providerId="LiveId" clId="{C9E2EB67-3DE0-4E0D-84E7-50676CA581EC}" dt="2025-07-23T18:51:08.719" v="2872" actId="6549"/>
-          <ac:spMkLst>
-            <pc:docMk/>
-            <pc:sldMk cId="1061405587" sldId="299"/>
-            <ac:spMk id="3" creationId="{78B4283D-170B-D318-713D-24F0A22E4448}"/>
-          </ac:spMkLst>
-        </pc:spChg>
-        <pc:spChg chg="del">
-          <ac:chgData name="Lei L" userId="fffa66e71c035d84" providerId="LiveId" clId="{C9E2EB67-3DE0-4E0D-84E7-50676CA581EC}" dt="2025-07-23T18:50:35.137" v="2847" actId="478"/>
-          <ac:spMkLst>
-            <pc:docMk/>
-            <pc:sldMk cId="1061405587" sldId="299"/>
-            <ac:spMk id="4" creationId="{B0BE1779-0B69-D4A3-628C-C91584BDD22D}"/>
-          </ac:spMkLst>
-        </pc:spChg>
-      </pc:sldChg>
-      <pc:sldChg chg="addSp delSp modSp add mod">
-        <pc:chgData name="Lei L" userId="fffa66e71c035d84" providerId="LiveId" clId="{C9E2EB67-3DE0-4E0D-84E7-50676CA581EC}" dt="2025-07-23T18:52:40.776" v="2957" actId="20577"/>
-        <pc:sldMkLst>
-          <pc:docMk/>
-          <pc:sldMk cId="1967101489" sldId="300"/>
-        </pc:sldMkLst>
-        <pc:spChg chg="mod">
-          <ac:chgData name="Lei L" userId="fffa66e71c035d84" providerId="LiveId" clId="{C9E2EB67-3DE0-4E0D-84E7-50676CA581EC}" dt="2025-07-23T18:01:23.515" v="1239" actId="6549"/>
-          <ac:spMkLst>
-            <pc:docMk/>
-            <pc:sldMk cId="1967101489" sldId="300"/>
-            <ac:spMk id="2" creationId="{1EC658A0-07AE-CFA6-54F2-B1E55481C1D7}"/>
-          </ac:spMkLst>
-        </pc:spChg>
-        <pc:spChg chg="del mod">
-          <ac:chgData name="Lei L" userId="fffa66e71c035d84" providerId="LiveId" clId="{C9E2EB67-3DE0-4E0D-84E7-50676CA581EC}" dt="2025-07-23T17:49:03.389" v="800"/>
-          <ac:spMkLst>
-            <pc:docMk/>
-            <pc:sldMk cId="1967101489" sldId="300"/>
-            <ac:spMk id="3" creationId="{78CFA23D-13B4-03BE-6A61-A88049B5396D}"/>
-          </ac:spMkLst>
-        </pc:spChg>
-        <pc:spChg chg="mod">
-          <ac:chgData name="Lei L" userId="fffa66e71c035d84" providerId="LiveId" clId="{C9E2EB67-3DE0-4E0D-84E7-50676CA581EC}" dt="2025-07-23T18:52:40.776" v="2957" actId="20577"/>
-          <ac:spMkLst>
-            <pc:docMk/>
-            <pc:sldMk cId="1967101489" sldId="300"/>
-            <ac:spMk id="4" creationId="{7297CC80-7EB2-D027-53ED-30696A7D27C0}"/>
-          </ac:spMkLst>
-        </pc:spChg>
-        <pc:spChg chg="add del mod">
-          <ac:chgData name="Lei L" userId="fffa66e71c035d84" providerId="LiveId" clId="{C9E2EB67-3DE0-4E0D-84E7-50676CA581EC}" dt="2025-07-23T17:59:27.401" v="1051" actId="931"/>
-          <ac:spMkLst>
-            <pc:docMk/>
-            <pc:sldMk cId="1967101489" sldId="300"/>
-            <ac:spMk id="7" creationId="{6F8F4ECF-68F0-F1DB-898B-28CE0EBDC55F}"/>
-          </ac:spMkLst>
-        </pc:spChg>
-        <pc:graphicFrameChg chg="add del mod">
-          <ac:chgData name="Lei L" userId="fffa66e71c035d84" providerId="LiveId" clId="{C9E2EB67-3DE0-4E0D-84E7-50676CA581EC}" dt="2025-07-23T17:59:18.659" v="1050" actId="478"/>
-          <ac:graphicFrameMkLst>
-            <pc:docMk/>
-            <pc:sldMk cId="1967101489" sldId="300"/>
-            <ac:graphicFrameMk id="5" creationId="{59941AA8-2485-4092-AE98-838E6DCF56EB}"/>
-          </ac:graphicFrameMkLst>
-        </pc:graphicFrameChg>
-        <pc:picChg chg="add mod">
-          <ac:chgData name="Lei L" userId="fffa66e71c035d84" providerId="LiveId" clId="{C9E2EB67-3DE0-4E0D-84E7-50676CA581EC}" dt="2025-07-23T17:59:44.199" v="1057" actId="14100"/>
-          <ac:picMkLst>
-            <pc:docMk/>
-            <pc:sldMk cId="1967101489" sldId="300"/>
-            <ac:picMk id="9" creationId="{968B7114-0119-3600-CB44-2AD56AB3BD11}"/>
-          </ac:picMkLst>
-        </pc:picChg>
-      </pc:sldChg>
-      <pc:sldChg chg="addSp delSp modSp add mod">
-        <pc:chgData name="Lei L" userId="fffa66e71c035d84" providerId="LiveId" clId="{C9E2EB67-3DE0-4E0D-84E7-50676CA581EC}" dt="2025-07-23T18:32:29.869" v="2196" actId="20577"/>
-        <pc:sldMkLst>
-          <pc:docMk/>
-          <pc:sldMk cId="284298839" sldId="301"/>
-        </pc:sldMkLst>
-        <pc:spChg chg="mod">
-          <ac:chgData name="Lei L" userId="fffa66e71c035d84" providerId="LiveId" clId="{C9E2EB67-3DE0-4E0D-84E7-50676CA581EC}" dt="2025-07-23T18:32:29.869" v="2196" actId="20577"/>
-          <ac:spMkLst>
-            <pc:docMk/>
-            <pc:sldMk cId="284298839" sldId="301"/>
-            <ac:spMk id="2" creationId="{851142EE-2B3B-CD0B-E618-F2C505E45610}"/>
-          </ac:spMkLst>
-        </pc:spChg>
-        <pc:spChg chg="add del mod">
-          <ac:chgData name="Lei L" userId="fffa66e71c035d84" providerId="LiveId" clId="{C9E2EB67-3DE0-4E0D-84E7-50676CA581EC}" dt="2025-07-23T17:52:27.756" v="846" actId="931"/>
-          <ac:spMkLst>
-            <pc:docMk/>
-            <pc:sldMk cId="284298839" sldId="301"/>
-            <ac:spMk id="6" creationId="{ECD0A780-E64A-F9E9-1DFF-B5206B763189}"/>
-          </ac:spMkLst>
-        </pc:spChg>
-        <pc:graphicFrameChg chg="del">
-          <ac:chgData name="Lei L" userId="fffa66e71c035d84" providerId="LiveId" clId="{C9E2EB67-3DE0-4E0D-84E7-50676CA581EC}" dt="2025-07-23T17:52:15.705" v="845" actId="478"/>
-          <ac:graphicFrameMkLst>
-            <pc:docMk/>
-            <pc:sldMk cId="284298839" sldId="301"/>
-            <ac:graphicFrameMk id="5" creationId="{6A0561F1-7E22-A3D7-0C04-38EDB403B81F}"/>
-          </ac:graphicFrameMkLst>
-        </pc:graphicFrameChg>
-        <pc:picChg chg="add mod">
-          <ac:chgData name="Lei L" userId="fffa66e71c035d84" providerId="LiveId" clId="{C9E2EB67-3DE0-4E0D-84E7-50676CA581EC}" dt="2025-07-23T17:52:38.729" v="851" actId="14100"/>
-          <ac:picMkLst>
-            <pc:docMk/>
-            <pc:sldMk cId="284298839" sldId="301"/>
-            <ac:picMk id="8" creationId="{B9CFA0F7-9410-F86A-51E3-81278A653B97}"/>
-          </ac:picMkLst>
-        </pc:picChg>
-      </pc:sldChg>
-      <pc:sldChg chg="addSp delSp modSp add mod">
-        <pc:chgData name="Lei L" userId="fffa66e71c035d84" providerId="LiveId" clId="{C9E2EB67-3DE0-4E0D-84E7-50676CA581EC}" dt="2025-07-23T18:32:24.281" v="2194" actId="1076"/>
-        <pc:sldMkLst>
-          <pc:docMk/>
-          <pc:sldMk cId="3275672813" sldId="302"/>
-        </pc:sldMkLst>
-        <pc:spChg chg="mod">
-          <ac:chgData name="Lei L" userId="fffa66e71c035d84" providerId="LiveId" clId="{C9E2EB67-3DE0-4E0D-84E7-50676CA581EC}" dt="2025-07-23T18:32:23.323" v="2193" actId="20577"/>
-          <ac:spMkLst>
-            <pc:docMk/>
-            <pc:sldMk cId="3275672813" sldId="302"/>
-            <ac:spMk id="2" creationId="{E27E08C3-DE9E-A091-C183-B8A12197B246}"/>
-          </ac:spMkLst>
-        </pc:spChg>
-        <pc:spChg chg="mod">
-          <ac:chgData name="Lei L" userId="fffa66e71c035d84" providerId="LiveId" clId="{C9E2EB67-3DE0-4E0D-84E7-50676CA581EC}" dt="2025-07-23T18:11:53.751" v="1372" actId="20577"/>
-          <ac:spMkLst>
-            <pc:docMk/>
-            <pc:sldMk cId="3275672813" sldId="302"/>
-            <ac:spMk id="4" creationId="{D748EC6A-C370-4620-2AC6-79735124FA00}"/>
-          </ac:spMkLst>
-        </pc:spChg>
-        <pc:spChg chg="add del mod">
-          <ac:chgData name="Lei L" userId="fffa66e71c035d84" providerId="LiveId" clId="{C9E2EB67-3DE0-4E0D-84E7-50676CA581EC}" dt="2025-07-23T18:05:52.089" v="1241" actId="931"/>
-          <ac:spMkLst>
-            <pc:docMk/>
-            <pc:sldMk cId="3275672813" sldId="302"/>
-            <ac:spMk id="6" creationId="{54409DC0-683B-B2CE-A4CB-5ECF39CE1D06}"/>
-          </ac:spMkLst>
-        </pc:spChg>
-        <pc:spChg chg="add del mod">
-          <ac:chgData name="Lei L" userId="fffa66e71c035d84" providerId="LiveId" clId="{C9E2EB67-3DE0-4E0D-84E7-50676CA581EC}" dt="2025-07-23T18:09:56.197" v="1247" actId="931"/>
-          <ac:spMkLst>
-            <pc:docMk/>
-            <pc:sldMk cId="3275672813" sldId="302"/>
-            <ac:spMk id="10" creationId="{EDDDB527-48F9-4A0D-8A37-F036C4ACFE46}"/>
-          </ac:spMkLst>
-        </pc:spChg>
-        <pc:graphicFrameChg chg="del">
-          <ac:chgData name="Lei L" userId="fffa66e71c035d84" providerId="LiveId" clId="{C9E2EB67-3DE0-4E0D-84E7-50676CA581EC}" dt="2025-07-23T18:05:42.631" v="1240" actId="478"/>
-          <ac:graphicFrameMkLst>
-            <pc:docMk/>
-            <pc:sldMk cId="3275672813" sldId="302"/>
-            <ac:graphicFrameMk id="5" creationId="{9693FC9E-1BFD-F2C2-816E-AFB09538B880}"/>
-          </ac:graphicFrameMkLst>
-        </pc:graphicFrameChg>
-        <pc:picChg chg="add del mod">
-          <ac:chgData name="Lei L" userId="fffa66e71c035d84" providerId="LiveId" clId="{C9E2EB67-3DE0-4E0D-84E7-50676CA581EC}" dt="2025-07-23T18:09:48.209" v="1246" actId="478"/>
-          <ac:picMkLst>
-            <pc:docMk/>
-            <pc:sldMk cId="3275672813" sldId="302"/>
-            <ac:picMk id="8" creationId="{8B17BB52-6762-317D-D5DD-3E00267040CC}"/>
-          </ac:picMkLst>
-        </pc:picChg>
-        <pc:picChg chg="add mod">
-          <ac:chgData name="Lei L" userId="fffa66e71c035d84" providerId="LiveId" clId="{C9E2EB67-3DE0-4E0D-84E7-50676CA581EC}" dt="2025-07-23T18:32:24.281" v="2194" actId="1076"/>
-          <ac:picMkLst>
-            <pc:docMk/>
-            <pc:sldMk cId="3275672813" sldId="302"/>
-            <ac:picMk id="12" creationId="{8B84EDC5-5B99-00B5-27E2-F75033CE8962}"/>
-          </ac:picMkLst>
-        </pc:picChg>
-      </pc:sldChg>
-      <pc:sldChg chg="addSp delSp modSp add mod">
-        <pc:chgData name="Lei L" userId="fffa66e71c035d84" providerId="LiveId" clId="{C9E2EB67-3DE0-4E0D-84E7-50676CA581EC}" dt="2025-07-23T18:53:34.290" v="2981" actId="20577"/>
-        <pc:sldMkLst>
-          <pc:docMk/>
-          <pc:sldMk cId="596273383" sldId="303"/>
-        </pc:sldMkLst>
-        <pc:spChg chg="mod">
-          <ac:chgData name="Lei L" userId="fffa66e71c035d84" providerId="LiveId" clId="{C9E2EB67-3DE0-4E0D-84E7-50676CA581EC}" dt="2025-07-23T18:32:34.276" v="2198" actId="20577"/>
-          <ac:spMkLst>
-            <pc:docMk/>
-            <pc:sldMk cId="596273383" sldId="303"/>
-            <ac:spMk id="2" creationId="{DAAC3077-00CD-5F62-C4E7-D4FF3813F40A}"/>
-          </ac:spMkLst>
-        </pc:spChg>
-        <pc:spChg chg="mod">
-          <ac:chgData name="Lei L" userId="fffa66e71c035d84" providerId="LiveId" clId="{C9E2EB67-3DE0-4E0D-84E7-50676CA581EC}" dt="2025-07-23T18:53:34.290" v="2981" actId="20577"/>
-          <ac:spMkLst>
-            <pc:docMk/>
-            <pc:sldMk cId="596273383" sldId="303"/>
-            <ac:spMk id="4" creationId="{E05113E4-03D2-4B95-D7DE-28B8C307D962}"/>
-          </ac:spMkLst>
-        </pc:spChg>
-        <pc:spChg chg="add del mod">
-          <ac:chgData name="Lei L" userId="fffa66e71c035d84" providerId="LiveId" clId="{C9E2EB67-3DE0-4E0D-84E7-50676CA581EC}" dt="2025-07-23T18:17:34.057" v="1435"/>
-          <ac:spMkLst>
-            <pc:docMk/>
-            <pc:sldMk cId="596273383" sldId="303"/>
-            <ac:spMk id="5" creationId="{B27C0802-1D22-45C8-6315-7DFD7D4FBA37}"/>
-          </ac:spMkLst>
-        </pc:spChg>
-        <pc:graphicFrameChg chg="add mod">
-          <ac:chgData name="Lei L" userId="fffa66e71c035d84" providerId="LiveId" clId="{C9E2EB67-3DE0-4E0D-84E7-50676CA581EC}" dt="2025-07-23T18:20:08.137" v="1517" actId="14100"/>
-          <ac:graphicFrameMkLst>
-            <pc:docMk/>
-            <pc:sldMk cId="596273383" sldId="303"/>
-            <ac:graphicFrameMk id="6" creationId="{D46491EB-ABCE-4297-AD48-070915C5746F}"/>
-          </ac:graphicFrameMkLst>
-        </pc:graphicFrameChg>
-        <pc:picChg chg="del">
-          <ac:chgData name="Lei L" userId="fffa66e71c035d84" providerId="LiveId" clId="{C9E2EB67-3DE0-4E0D-84E7-50676CA581EC}" dt="2025-07-23T18:17:31.647" v="1433" actId="478"/>
-          <ac:picMkLst>
-            <pc:docMk/>
-            <pc:sldMk cId="596273383" sldId="303"/>
-            <ac:picMk id="8" creationId="{DFCBC447-24F6-AC90-21BD-B30B1DFEB416}"/>
-          </ac:picMkLst>
-        </pc:picChg>
-      </pc:sldChg>
-      <pc:sldChg chg="addSp delSp modSp add del mod ord">
-        <pc:chgData name="Lei L" userId="fffa66e71c035d84" providerId="LiveId" clId="{C9E2EB67-3DE0-4E0D-84E7-50676CA581EC}" dt="2025-07-23T18:54:29.429" v="2987" actId="2696"/>
-        <pc:sldMkLst>
-          <pc:docMk/>
-          <pc:sldMk cId="2625909468" sldId="304"/>
-        </pc:sldMkLst>
-        <pc:spChg chg="mod">
-          <ac:chgData name="Lei L" userId="fffa66e71c035d84" providerId="LiveId" clId="{C9E2EB67-3DE0-4E0D-84E7-50676CA581EC}" dt="2025-07-23T18:21:41.402" v="1576" actId="6549"/>
-          <ac:spMkLst>
-            <pc:docMk/>
-            <pc:sldMk cId="2625909468" sldId="304"/>
-            <ac:spMk id="2" creationId="{B279AC9F-AE34-4BBD-C316-78DBAAB66A28}"/>
-          </ac:spMkLst>
-        </pc:spChg>
-        <pc:spChg chg="del mod">
-          <ac:chgData name="Lei L" userId="fffa66e71c035d84" providerId="LiveId" clId="{C9E2EB67-3DE0-4E0D-84E7-50676CA581EC}" dt="2025-07-23T18:26:17.366" v="1992" actId="478"/>
-          <ac:spMkLst>
-            <pc:docMk/>
-            <pc:sldMk cId="2625909468" sldId="304"/>
-            <ac:spMk id="4" creationId="{FED4F3D9-B6CC-0558-31B2-681E391B5C18}"/>
-          </ac:spMkLst>
-        </pc:spChg>
-        <pc:spChg chg="add mod">
-          <ac:chgData name="Lei L" userId="fffa66e71c035d84" providerId="LiveId" clId="{C9E2EB67-3DE0-4E0D-84E7-50676CA581EC}" dt="2025-07-23T18:54:16.491" v="2983" actId="21"/>
-          <ac:spMkLst>
-            <pc:docMk/>
-            <pc:sldMk cId="2625909468" sldId="304"/>
-            <ac:spMk id="5" creationId="{ADC8612A-8DD3-E539-76D7-FAC81D848706}"/>
-          </ac:spMkLst>
-        </pc:spChg>
-        <pc:spChg chg="add del mod">
-          <ac:chgData name="Lei L" userId="fffa66e71c035d84" providerId="LiveId" clId="{C9E2EB67-3DE0-4E0D-84E7-50676CA581EC}" dt="2025-07-23T18:26:23.937" v="1993" actId="478"/>
-          <ac:spMkLst>
-            <pc:docMk/>
-            <pc:sldMk cId="2625909468" sldId="304"/>
-            <ac:spMk id="8" creationId="{2B80C397-DDD6-2031-B103-14AFFA92854F}"/>
-          </ac:spMkLst>
-        </pc:spChg>
-        <pc:graphicFrameChg chg="del">
-          <ac:chgData name="Lei L" userId="fffa66e71c035d84" providerId="LiveId" clId="{C9E2EB67-3DE0-4E0D-84E7-50676CA581EC}" dt="2025-07-23T18:21:14.839" v="1521" actId="478"/>
-          <ac:graphicFrameMkLst>
-            <pc:docMk/>
-            <pc:sldMk cId="2625909468" sldId="304"/>
-            <ac:graphicFrameMk id="6" creationId="{B7D5015D-6276-DC94-BCC5-4B8A54367463}"/>
-          </ac:graphicFrameMkLst>
-        </pc:graphicFrameChg>
-      </pc:sldChg>
-      <pc:sldChg chg="modSp add mod">
-        <pc:chgData name="Lei L" userId="fffa66e71c035d84" providerId="LiveId" clId="{C9E2EB67-3DE0-4E0D-84E7-50676CA581EC}" dt="2025-07-23T18:56:14.604" v="3052" actId="27636"/>
+      <pc:sldChg chg="modSp mod">
+        <pc:chgData name="Lei L" userId="fffa66e71c035d84" providerId="LiveId" clId="{B3F27301-026F-470C-852D-61FD378DE2B1}" dt="2025-07-23T21:05:24.812" v="53" actId="20577"/>
         <pc:sldMkLst>
           <pc:docMk/>
           <pc:sldMk cId="231129588" sldId="305"/>
         </pc:sldMkLst>
         <pc:spChg chg="mod">
-          <ac:chgData name="Lei L" userId="fffa66e71c035d84" providerId="LiveId" clId="{C9E2EB67-3DE0-4E0D-84E7-50676CA581EC}" dt="2025-07-23T18:27:37.956" v="2028" actId="5793"/>
+          <ac:chgData name="Lei L" userId="fffa66e71c035d84" providerId="LiveId" clId="{B3F27301-026F-470C-852D-61FD378DE2B1}" dt="2025-07-23T21:04:19.957" v="29" actId="20577"/>
           <ac:spMkLst>
             <pc:docMk/>
             <pc:sldMk cId="231129588" sldId="305"/>
@@ -571,7 +187,7 @@
           </ac:spMkLst>
         </pc:spChg>
         <pc:spChg chg="mod">
-          <ac:chgData name="Lei L" userId="fffa66e71c035d84" providerId="LiveId" clId="{C9E2EB67-3DE0-4E0D-84E7-50676CA581EC}" dt="2025-07-23T18:56:14.604" v="3052" actId="27636"/>
+          <ac:chgData name="Lei L" userId="fffa66e71c035d84" providerId="LiveId" clId="{B3F27301-026F-470C-852D-61FD378DE2B1}" dt="2025-07-23T21:05:24.812" v="53" actId="20577"/>
           <ac:spMkLst>
             <pc:docMk/>
             <pc:sldMk cId="231129588" sldId="305"/>
@@ -579,53 +195,6 @@
           </ac:spMkLst>
         </pc:spChg>
       </pc:sldChg>
-      <pc:sldMasterChg chg="delSldLayout">
-        <pc:chgData name="Lei L" userId="fffa66e71c035d84" providerId="LiveId" clId="{C9E2EB67-3DE0-4E0D-84E7-50676CA581EC}" dt="2025-07-23T18:42:47.258" v="2754" actId="2696"/>
-        <pc:sldMasterMkLst>
-          <pc:docMk/>
-          <pc:sldMasterMk cId="1788353970" sldId="2147483648"/>
-        </pc:sldMasterMkLst>
-        <pc:sldLayoutChg chg="del">
-          <pc:chgData name="Lei L" userId="fffa66e71c035d84" providerId="LiveId" clId="{C9E2EB67-3DE0-4E0D-84E7-50676CA581EC}" dt="2025-07-23T18:30:20.190" v="2096" actId="2696"/>
-          <pc:sldLayoutMkLst>
-            <pc:docMk/>
-            <pc:sldMasterMk cId="1788353970" sldId="2147483648"/>
-            <pc:sldLayoutMk cId="2491266794" sldId="2147483673"/>
-          </pc:sldLayoutMkLst>
-        </pc:sldLayoutChg>
-        <pc:sldLayoutChg chg="del">
-          <pc:chgData name="Lei L" userId="fffa66e71c035d84" providerId="LiveId" clId="{C9E2EB67-3DE0-4E0D-84E7-50676CA581EC}" dt="2025-07-23T18:37:54.488" v="2480" actId="2696"/>
-          <pc:sldLayoutMkLst>
-            <pc:docMk/>
-            <pc:sldMasterMk cId="1788353970" sldId="2147483648"/>
-            <pc:sldLayoutMk cId="3823856223" sldId="2147483674"/>
-          </pc:sldLayoutMkLst>
-        </pc:sldLayoutChg>
-        <pc:sldLayoutChg chg="del">
-          <pc:chgData name="Lei L" userId="fffa66e71c035d84" providerId="LiveId" clId="{C9E2EB67-3DE0-4E0D-84E7-50676CA581EC}" dt="2025-07-23T18:38:39.147" v="2487" actId="2696"/>
-          <pc:sldLayoutMkLst>
-            <pc:docMk/>
-            <pc:sldMasterMk cId="1788353970" sldId="2147483648"/>
-            <pc:sldLayoutMk cId="4193030505" sldId="2147483675"/>
-          </pc:sldLayoutMkLst>
-        </pc:sldLayoutChg>
-        <pc:sldLayoutChg chg="del">
-          <pc:chgData name="Lei L" userId="fffa66e71c035d84" providerId="LiveId" clId="{C9E2EB67-3DE0-4E0D-84E7-50676CA581EC}" dt="2025-07-23T18:42:47.258" v="2754" actId="2696"/>
-          <pc:sldLayoutMkLst>
-            <pc:docMk/>
-            <pc:sldMasterMk cId="1788353970" sldId="2147483648"/>
-            <pc:sldLayoutMk cId="525656170" sldId="2147483676"/>
-          </pc:sldLayoutMkLst>
-        </pc:sldLayoutChg>
-        <pc:sldLayoutChg chg="del">
-          <pc:chgData name="Lei L" userId="fffa66e71c035d84" providerId="LiveId" clId="{C9E2EB67-3DE0-4E0D-84E7-50676CA581EC}" dt="2025-07-23T18:38:04.105" v="2481" actId="2696"/>
-          <pc:sldLayoutMkLst>
-            <pc:docMk/>
-            <pc:sldMasterMk cId="1788353970" sldId="2147483648"/>
-            <pc:sldLayoutMk cId="1827098551" sldId="2147483677"/>
-          </pc:sldLayoutMkLst>
-        </pc:sldLayoutChg>
-      </pc:sldMasterChg>
     </pc:docChg>
   </pc:docChgLst>
 </pc:chgInfo>
@@ -9902,23 +9471,23 @@
         <p:spPr>
           <a:xfrm>
             <a:off x="1158865" y="2017467"/>
-            <a:ext cx="9779182" cy="3366815"/>
+            <a:ext cx="9779182" cy="3741307"/>
           </a:xfrm>
         </p:spPr>
         <p:txBody>
           <a:bodyPr vert="horz" lIns="91440" tIns="45720" rIns="91440" bIns="45720" rtlCol="0" anchor="t">
-            <a:normAutofit fontScale="92500" lnSpcReduction="20000"/>
+            <a:noAutofit/>
           </a:bodyPr>
           <a:lstStyle/>
           <a:p>
             <a:r>
-              <a:rPr lang="en-US" dirty="0"/>
+              <a:rPr lang="en-US" sz="2400" dirty="0"/>
               <a:t>Introduction</a:t>
             </a:r>
           </a:p>
           <a:p>
             <a:r>
-              <a:rPr lang="en-US" dirty="0"/>
+              <a:rPr lang="en-US" sz="2400" dirty="0"/>
               <a:t>Objectives:</a:t>
             </a:r>
           </a:p>
@@ -9928,7 +9497,7 @@
               <a:buChar char="•"/>
             </a:pPr>
             <a:r>
-              <a:rPr lang="en-US" dirty="0"/>
+              <a:rPr lang="en-US" sz="2400" dirty="0"/>
               <a:t>Step 1 Model development</a:t>
             </a:r>
           </a:p>
@@ -9938,7 +9507,7 @@
               <a:buChar char="•"/>
             </a:pPr>
             <a:r>
-              <a:rPr lang="en-US" dirty="0"/>
+              <a:rPr lang="en-US" sz="2400" dirty="0"/>
               <a:t>Step 2 Finding the best Model</a:t>
             </a:r>
           </a:p>
@@ -9948,7 +9517,7 @@
               <a:buChar char="•"/>
             </a:pPr>
             <a:r>
-              <a:rPr lang="en-US" dirty="0"/>
+              <a:rPr lang="en-US" sz="2400" dirty="0"/>
               <a:t>Step 3 Calculate absolute percent error</a:t>
             </a:r>
           </a:p>
@@ -9958,20 +9527,14 @@
               <a:buChar char="•"/>
             </a:pPr>
             <a:r>
-              <a:rPr lang="en-US" dirty="0"/>
+              <a:rPr lang="en-US" sz="2400" dirty="0"/>
               <a:t>Step 4 Model the business using Power model</a:t>
             </a:r>
           </a:p>
           <a:p>
             <a:r>
-              <a:rPr lang="en-US" dirty="0"/>
-              <a:t>Summarize</a:t>
-            </a:r>
-          </a:p>
-          <a:p>
-            <a:r>
-              <a:rPr lang="en-US" dirty="0"/>
-              <a:t>Final conclusion</a:t>
+              <a:rPr lang="en-US" sz="2400" dirty="0"/>
+              <a:t>Summarize and take aways</a:t>
             </a:r>
           </a:p>
         </p:txBody>
@@ -10057,18 +9620,20 @@
           </a:xfrm>
         </p:spPr>
         <p:txBody>
-          <a:bodyPr/>
+          <a:bodyPr>
+            <a:normAutofit/>
+          </a:bodyPr>
           <a:lstStyle/>
           <a:p>
             <a:r>
-              <a:rPr lang="en-US" dirty="0"/>
+              <a:rPr lang="en-US" sz="1800" dirty="0"/>
               <a:t>Business problem:</a:t>
             </a:r>
           </a:p>
           <a:p>
             <a:r>
-              <a:rPr lang="en-US" dirty="0"/>
-              <a:t>Top Good Pest Zapper is company that manufactures electric pest zapper. This year, they are going to market and sell their product by themselves instead of through a partner. Due to highly competitive market, Top Good wants to use statistical model to navigate their pricing and marketing strategies.</a:t>
+              <a:rPr lang="en-US" sz="1800" dirty="0"/>
+              <a:t>Top Good Pest Zapper is a company specializing in the manufacturing of electric pest zappers. This year, they have decided to directly market and sell their products, rather than relying on a partner. In response to the highly competitive market landscape, Top Good aims to leverage statistical models to refine their pricing and marketing strategies, enabling more informed decision-making and a stronger market presence.</a:t>
             </a:r>
           </a:p>
         </p:txBody>
@@ -10155,22 +9720,24 @@
         </p:nvSpPr>
         <p:spPr>
           <a:xfrm>
-            <a:off x="8919410" y="2023984"/>
-            <a:ext cx="2493227" cy="4504138"/>
+            <a:off x="9755969" y="1994801"/>
+            <a:ext cx="2025446" cy="4504138"/>
           </a:xfrm>
         </p:spPr>
         <p:txBody>
-          <a:bodyPr/>
+          <a:bodyPr>
+            <a:normAutofit/>
+          </a:bodyPr>
           <a:lstStyle/>
           <a:p>
             <a:r>
-              <a:rPr lang="en-US" dirty="0"/>
-              <a:t>Based on historical data of sale prices and demand throughout last year, the market team develop three  predicting models to compare and select the best model.</a:t>
+              <a:rPr lang="en-US" sz="1800" dirty="0"/>
+              <a:t>Based on historical sales data, including price and demand trends from the past year, the marketing team has developed three predictive models to compare and identify the most effective one.</a:t>
             </a:r>
           </a:p>
           <a:p>
             <a:r>
-              <a:rPr lang="en-US" dirty="0"/>
+              <a:rPr lang="en-US" sz="1800" dirty="0"/>
               <a:t>Models: Linear, power, exponential</a:t>
             </a:r>
           </a:p>
@@ -10201,7 +9768,7 @@
         <p:spPr>
           <a:xfrm>
             <a:off x="1085790" y="1922101"/>
-            <a:ext cx="7848469" cy="3332832"/>
+            <a:ext cx="8486227" cy="3603654"/>
           </a:xfrm>
         </p:spPr>
       </p:pic>
@@ -10287,8 +9854,8 @@
         </p:nvSpPr>
         <p:spPr>
           <a:xfrm>
-            <a:off x="8919410" y="2023984"/>
-            <a:ext cx="2493227" cy="3332832"/>
+            <a:off x="8919410" y="2023983"/>
+            <a:ext cx="2493227" cy="3773701"/>
           </a:xfrm>
         </p:spPr>
         <p:txBody>
@@ -10296,23 +9863,23 @@
           <a:lstStyle/>
           <a:p>
             <a:r>
-              <a:rPr lang="en-US" dirty="0"/>
+              <a:rPr lang="en-US" sz="1800" dirty="0"/>
               <a:t>Findings:</a:t>
             </a:r>
           </a:p>
           <a:p>
             <a:r>
-              <a:rPr lang="en-US" dirty="0"/>
-              <a:t>The left chart shows the line graphs from Linear, Power, and  Exponential Models.</a:t>
+              <a:rPr lang="en-US" sz="1800" dirty="0"/>
+              <a:t>Among the line graphs from Linear, Power, and  Exponential Models, the </a:t>
             </a:r>
-          </a:p>
-          <a:p>
             <a:r>
-              <a:rPr lang="en-US" dirty="0"/>
-              <a:t>It seems Power model is more accurate align with the actual demand.</a:t>
+              <a:rPr lang="en-US" sz="1800" b="1" dirty="0"/>
+              <a:t>Power model</a:t>
             </a:r>
-          </a:p>
-          <a:p>
+            <a:r>
+              <a:rPr lang="en-US" sz="1800" dirty="0"/>
+              <a:t> appears to be more accurate, as it aligns better with the actual demand in the price vs. demand relationship.</a:t>
+            </a:r>
             <a:endParaRPr lang="en-US" dirty="0"/>
           </a:p>
         </p:txBody>
@@ -10342,7 +9909,7 @@
         <p:spPr>
           <a:xfrm>
             <a:off x="1167492" y="1789897"/>
-            <a:ext cx="7751918" cy="4740817"/>
+            <a:ext cx="7402576" cy="4328801"/>
           </a:xfrm>
         </p:spPr>
       </p:pic>
@@ -10433,18 +10000,20 @@
           </a:xfrm>
         </p:spPr>
         <p:txBody>
-          <a:bodyPr/>
+          <a:bodyPr>
+            <a:normAutofit/>
+          </a:bodyPr>
           <a:lstStyle/>
           <a:p>
             <a:r>
-              <a:rPr lang="en-US" dirty="0"/>
+              <a:rPr lang="en-US" sz="1800" dirty="0"/>
               <a:t>Findings: </a:t>
             </a:r>
           </a:p>
           <a:p>
             <a:r>
-              <a:rPr lang="en-US" dirty="0"/>
-              <a:t>Among the three regression models, Power model has the smallest absolute percent error, meaning we can rely on this model for further actions.</a:t>
+              <a:rPr lang="en-US" sz="1800" dirty="0"/>
+              <a:t>Among the three models, Power model has the smallest absolute percent error, meaning we can rely on this model for further actions.</a:t>
             </a:r>
           </a:p>
         </p:txBody>
@@ -10565,27 +10134,25 @@
         </p:nvSpPr>
         <p:spPr>
           <a:xfrm>
-            <a:off x="8919411" y="2023984"/>
-            <a:ext cx="2909916" cy="3332832"/>
+            <a:off x="8919411" y="1789897"/>
+            <a:ext cx="2909916" cy="3920239"/>
           </a:xfrm>
         </p:spPr>
         <p:txBody>
           <a:bodyPr>
-            <a:normAutofit/>
+            <a:normAutofit lnSpcReduction="10000"/>
           </a:bodyPr>
           <a:lstStyle/>
           <a:p>
             <a:r>
               <a:rPr lang="en-US" sz="1600" dirty="0"/>
-              <a:t>y=</a:t>
+              <a:t>y = ax^b</a:t>
             </a:r>
-            <a:r>
-              <a:rPr lang="en-US" sz="1600" dirty="0" err="1"/>
-              <a:t>ax^b</a:t>
-            </a:r>
+          </a:p>
+          <a:p>
             <a:r>
               <a:rPr lang="en-US" sz="1600" dirty="0"/>
-              <a:t>  </a:t>
+              <a:t>x = price</a:t>
             </a:r>
           </a:p>
           <a:p>
@@ -10597,25 +10164,25 @@
           <a:p>
             <a:r>
               <a:rPr lang="en-US" sz="1600" dirty="0"/>
-              <a:t>b = -1.88    </a:t>
+              <a:t>b = -1.88</a:t>
             </a:r>
           </a:p>
           <a:p>
             <a:r>
               <a:rPr lang="en-US" sz="1600" dirty="0"/>
-              <a:t>x = price</a:t>
+              <a:t>Cost per unit: $250     </a:t>
             </a:r>
           </a:p>
           <a:p>
             <a:r>
-              <a:rPr lang="en-US" dirty="0"/>
+              <a:rPr lang="en-US" sz="1800" dirty="0"/>
               <a:t>Findings:</a:t>
             </a:r>
           </a:p>
           <a:p>
             <a:r>
-              <a:rPr lang="en-US" dirty="0"/>
-              <a:t>The graph shows profit change over the price range from $250 to $850 and a fixed cost $250.</a:t>
+              <a:rPr lang="en-US" sz="1800" dirty="0"/>
+              <a:t>With a fixed cost of $250 per unit, the graph illustrates that profit increases up to a price of $530, after which it slightly decreases and remains steady thereafter.</a:t>
             </a:r>
           </a:p>
         </p:txBody>
@@ -10715,7 +10282,7 @@
           <a:p>
             <a:r>
               <a:rPr lang="en-US" dirty="0"/>
-              <a:t>Summarize </a:t>
+              <a:t>Summarize &amp; take aways </a:t>
             </a:r>
           </a:p>
         </p:txBody>
@@ -10736,10 +10303,15 @@
             <p:ph idx="1"/>
           </p:nvPr>
         </p:nvSpPr>
-        <p:spPr/>
+        <p:spPr>
+          <a:xfrm>
+            <a:off x="1167492" y="2023984"/>
+            <a:ext cx="7626311" cy="3332832"/>
+          </a:xfrm>
+        </p:spPr>
         <p:txBody>
           <a:bodyPr>
-            <a:normAutofit fontScale="92500" lnSpcReduction="10000"/>
+            <a:normAutofit/>
           </a:bodyPr>
           <a:lstStyle/>
           <a:p>
@@ -10748,7 +10320,7 @@
               <a:buChar char="•"/>
             </a:pPr>
             <a:r>
-              <a:rPr lang="en-US" dirty="0"/>
+              <a:rPr lang="en-US" sz="1900" dirty="0"/>
               <a:t>Used techniques: MS Excel (graph, VLOOKUP ), PowerPoint</a:t>
             </a:r>
           </a:p>
@@ -10758,7 +10330,7 @@
               <a:buChar char="•"/>
             </a:pPr>
             <a:r>
-              <a:rPr lang="en-US" dirty="0"/>
+              <a:rPr lang="en-US" sz="1900" dirty="0"/>
               <a:t>Best predictive model: power model</a:t>
             </a:r>
           </a:p>
@@ -10768,8 +10340,12 @@
               <a:buChar char="•"/>
             </a:pPr>
             <a:r>
-              <a:rPr lang="en-US" dirty="0"/>
-              <a:t>Selling unit of 3640 (demand) will maximize profit, too less or too more is not recommended.</a:t>
+              <a:rPr lang="en-US" sz="1800" b="1" dirty="0"/>
+              <a:t>Inventory Strategy:</a:t>
+            </a:r>
+            <a:r>
+              <a:rPr lang="en-US" sz="1800" dirty="0"/>
+              <a:t> an annual demand of 3,640 units is the optimal quantity for maximizing profit. Deviating from this amount—either too few or too many units—is not recommended.</a:t>
             </a:r>
           </a:p>
           <a:p>
@@ -10778,8 +10354,20 @@
               <a:buChar char="•"/>
             </a:pPr>
             <a:r>
-              <a:rPr lang="en-US" dirty="0"/>
-              <a:t>Pricing the product at $530 per unit will maximize annual profit.</a:t>
+              <a:rPr lang="en-US" sz="1900" b="1" dirty="0"/>
+              <a:t>Pricing strategy: </a:t>
+            </a:r>
+            <a:r>
+              <a:rPr lang="en-US" sz="1900" dirty="0"/>
+              <a:t>price the product at </a:t>
+            </a:r>
+            <a:r>
+              <a:rPr lang="en-US" sz="1900" b="1" dirty="0"/>
+              <a:t>$530 </a:t>
+            </a:r>
+            <a:r>
+              <a:rPr lang="en-US" sz="1900" dirty="0"/>
+              <a:t>per unit will maximize annual profit.</a:t>
             </a:r>
           </a:p>
           <a:p>
@@ -10788,8 +10376,8 @@
               <a:buChar char="•"/>
             </a:pPr>
             <a:r>
-              <a:rPr lang="en-US" dirty="0"/>
-              <a:t>Constrain: optimal pricing and demand quantity subject to change if the cost of unit changes.</a:t>
+              <a:rPr lang="en-US" sz="1900" dirty="0"/>
+              <a:t>Constrain: optimal pricing and inventory subject to change if the cost of unit changes.</a:t>
             </a:r>
           </a:p>
           <a:p>
@@ -11734,35 +11322,6 @@
 </file>
 
 <file path=customXml/item1.xml><?xml version="1.0" encoding="utf-8"?>
-<p:properties xmlns:p="http://schemas.microsoft.com/office/2006/metadata/properties" xmlns:xsi="http://www.w3.org/2001/XMLSchema-instance" xmlns:pc="http://schemas.microsoft.com/office/infopath/2007/PartnerControls">
-  <documentManagement>
-    <_ip_UnifiedCompliancePolicyUIAction xmlns="http://schemas.microsoft.com/sharepoint/v3" xsi:nil="true"/>
-    <Image xmlns="71af3243-3dd4-4a8d-8c0d-dd76da1f02a5">
-      <Url xsi:nil="true"/>
-      <Description xsi:nil="true"/>
-    </Image>
-    <Status xmlns="71af3243-3dd4-4a8d-8c0d-dd76da1f02a5">Not started</Status>
-    <Background xmlns="71af3243-3dd4-4a8d-8c0d-dd76da1f02a5">false</Background>
-    <_ip_UnifiedCompliancePolicyProperties xmlns="http://schemas.microsoft.com/sharepoint/v3" xsi:nil="true"/>
-    <ImageTagsTaxHTField xmlns="71af3243-3dd4-4a8d-8c0d-dd76da1f02a5">
-      <Terms xmlns="http://schemas.microsoft.com/office/infopath/2007/PartnerControls"/>
-    </ImageTagsTaxHTField>
-    <TaxCatchAll xmlns="230e9df3-be65-4c73-a93b-d1236ebd677e" xsi:nil="true"/>
-    <MediaServiceKeyPoints xmlns="71af3243-3dd4-4a8d-8c0d-dd76da1f02a5" xsi:nil="true"/>
-  </documentManagement>
-</p:properties>
-</file>
-
-<file path=customXml/item2.xml><?xml version="1.0" encoding="utf-8"?>
-<?mso-contentType ?>
-<FormTemplates xmlns="http://schemas.microsoft.com/sharepoint/v3/contenttype/forms">
-  <Display>DocumentLibraryForm</Display>
-  <Edit>DocumentLibraryForm</Edit>
-  <New>DocumentLibraryForm</New>
-</FormTemplates>
-</file>
-
-<file path=customXml/item3.xml><?xml version="1.0" encoding="utf-8"?>
 <ct:contentTypeSchema xmlns:ct="http://schemas.microsoft.com/office/2006/metadata/contentType" xmlns:ma="http://schemas.microsoft.com/office/2006/metadata/properties/metaAttributes" ct:_="" ma:_="" ma:contentTypeName="Document" ma:contentTypeID="0x01010079F111ED35F8CC479449609E8A0923A6" ma:contentTypeVersion="28" ma:contentTypeDescription="Create a new document." ma:contentTypeScope="" ma:versionID="60f5a4f2d2b0abadcf532d48ebf9cb71">
   <xsd:schema xmlns:xsd="http://www.w3.org/2001/XMLSchema" xmlns:xs="http://www.w3.org/2001/XMLSchema" xmlns:p="http://schemas.microsoft.com/office/2006/metadata/properties" xmlns:ns1="http://schemas.microsoft.com/sharepoint/v3" xmlns:ns2="71af3243-3dd4-4a8d-8c0d-dd76da1f02a5" xmlns:ns3="16c05727-aa75-4e4a-9b5f-8a80a1165891" xmlns:ns4="230e9df3-be65-4c73-a93b-d1236ebd677e" targetNamespace="http://schemas.microsoft.com/office/2006/metadata/properties" ma:root="true" ma:fieldsID="7dd78129e6a1811f84807ad11c651531" ns1:_="" ns2:_="" ns3:_="" ns4:_="">
     <xsd:import namespace="http://schemas.microsoft.com/sharepoint/v3"/>
@@ -12074,27 +11633,36 @@
 </ct:contentTypeSchema>
 </file>
 
-<file path=customXml/itemProps1.xml><?xml version="1.0" encoding="utf-8"?>
-<ds:datastoreItem xmlns:ds="http://schemas.openxmlformats.org/officeDocument/2006/customXml" ds:itemID="{61E98C35-9ECE-4425-BCBA-00E118C705CE}">
-  <ds:schemaRefs>
-    <ds:schemaRef ds:uri="http://schemas.microsoft.com/office/2006/metadata/properties"/>
-    <ds:schemaRef ds:uri="http://schemas.microsoft.com/office/infopath/2007/PartnerControls"/>
-    <ds:schemaRef ds:uri="http://schemas.microsoft.com/sharepoint/v3"/>
-    <ds:schemaRef ds:uri="71af3243-3dd4-4a8d-8c0d-dd76da1f02a5"/>
-    <ds:schemaRef ds:uri="230e9df3-be65-4c73-a93b-d1236ebd677e"/>
-  </ds:schemaRefs>
-</ds:datastoreItem>
+<file path=customXml/item2.xml><?xml version="1.0" encoding="utf-8"?>
+<?mso-contentType ?>
+<FormTemplates xmlns="http://schemas.microsoft.com/sharepoint/v3/contenttype/forms">
+  <Display>DocumentLibraryForm</Display>
+  <Edit>DocumentLibraryForm</Edit>
+  <New>DocumentLibraryForm</New>
+</FormTemplates>
 </file>
 
-<file path=customXml/itemProps2.xml><?xml version="1.0" encoding="utf-8"?>
-<ds:datastoreItem xmlns:ds="http://schemas.openxmlformats.org/officeDocument/2006/customXml" ds:itemID="{45A8381C-73EB-48EA-B45F-7B7C8C7DF409}">
-  <ds:schemaRefs>
-    <ds:schemaRef ds:uri="http://schemas.microsoft.com/sharepoint/v3/contenttype/forms"/>
-  </ds:schemaRefs>
-</ds:datastoreItem>
+<file path=customXml/item3.xml><?xml version="1.0" encoding="utf-8"?>
+<p:properties xmlns:p="http://schemas.microsoft.com/office/2006/metadata/properties" xmlns:xsi="http://www.w3.org/2001/XMLSchema-instance" xmlns:pc="http://schemas.microsoft.com/office/infopath/2007/PartnerControls">
+  <documentManagement>
+    <_ip_UnifiedCompliancePolicyUIAction xmlns="http://schemas.microsoft.com/sharepoint/v3" xsi:nil="true"/>
+    <Image xmlns="71af3243-3dd4-4a8d-8c0d-dd76da1f02a5">
+      <Url xsi:nil="true"/>
+      <Description xsi:nil="true"/>
+    </Image>
+    <Status xmlns="71af3243-3dd4-4a8d-8c0d-dd76da1f02a5">Not started</Status>
+    <Background xmlns="71af3243-3dd4-4a8d-8c0d-dd76da1f02a5">false</Background>
+    <_ip_UnifiedCompliancePolicyProperties xmlns="http://schemas.microsoft.com/sharepoint/v3" xsi:nil="true"/>
+    <ImageTagsTaxHTField xmlns="71af3243-3dd4-4a8d-8c0d-dd76da1f02a5">
+      <Terms xmlns="http://schemas.microsoft.com/office/infopath/2007/PartnerControls"/>
+    </ImageTagsTaxHTField>
+    <TaxCatchAll xmlns="230e9df3-be65-4c73-a93b-d1236ebd677e" xsi:nil="true"/>
+    <MediaServiceKeyPoints xmlns="71af3243-3dd4-4a8d-8c0d-dd76da1f02a5" xsi:nil="true"/>
+  </documentManagement>
+</p:properties>
 </file>
 
-<file path=customXml/itemProps3.xml><?xml version="1.0" encoding="utf-8"?>
+<file path=customXml/itemProps1.xml><?xml version="1.0" encoding="utf-8"?>
 <ds:datastoreItem xmlns:ds="http://schemas.openxmlformats.org/officeDocument/2006/customXml" ds:itemID="{5AA6A711-2C3F-4EC0-B88B-62D740851176}">
   <ds:schemaRefs>
     <ds:schemaRef ds:uri="http://schemas.microsoft.com/office/2006/metadata/contentType"/>
@@ -12115,6 +11683,26 @@
 </ds:datastoreItem>
 </file>
 
+<file path=customXml/itemProps2.xml><?xml version="1.0" encoding="utf-8"?>
+<ds:datastoreItem xmlns:ds="http://schemas.openxmlformats.org/officeDocument/2006/customXml" ds:itemID="{45A8381C-73EB-48EA-B45F-7B7C8C7DF409}">
+  <ds:schemaRefs>
+    <ds:schemaRef ds:uri="http://schemas.microsoft.com/sharepoint/v3/contenttype/forms"/>
+  </ds:schemaRefs>
+</ds:datastoreItem>
+</file>
+
+<file path=customXml/itemProps3.xml><?xml version="1.0" encoding="utf-8"?>
+<ds:datastoreItem xmlns:ds="http://schemas.openxmlformats.org/officeDocument/2006/customXml" ds:itemID="{61E98C35-9ECE-4425-BCBA-00E118C705CE}">
+  <ds:schemaRefs>
+    <ds:schemaRef ds:uri="http://schemas.microsoft.com/office/2006/metadata/properties"/>
+    <ds:schemaRef ds:uri="http://schemas.microsoft.com/office/infopath/2007/PartnerControls"/>
+    <ds:schemaRef ds:uri="http://schemas.microsoft.com/sharepoint/v3"/>
+    <ds:schemaRef ds:uri="71af3243-3dd4-4a8d-8c0d-dd76da1f02a5"/>
+    <ds:schemaRef ds:uri="230e9df3-be65-4c73-a93b-d1236ebd677e"/>
+  </ds:schemaRefs>
+</ds:datastoreItem>
+</file>
+
 <file path=docMetadata/LabelInfo.xml><?xml version="1.0" encoding="utf-8"?>
 <clbl:labelList xmlns:clbl="http://schemas.microsoft.com/office/2020/mipLabelMetadata"/>
 </file>
--- a/Smart pricing using Excel/Maximizing Profitability Through Smart Pricing Presentation.pptx
+++ b/Smart pricing using Excel/Maximizing Profitability Through Smart Pricing Presentation.pptx
@@ -141,23 +141,31 @@
 </p:cmAuthorLst>
 </file>
 
+<file path=ppt/revisionInfo.xml><?xml version="1.0" encoding="utf-8"?>
+<p1510:revInfo xmlns:a="http://schemas.openxmlformats.org/drawingml/2006/main" xmlns:r="http://schemas.openxmlformats.org/officeDocument/2006/relationships" xmlns:p1510="http://schemas.microsoft.com/office/powerpoint/2015/10/main">
+  <p1510:revLst>
+    <p1510:client id="{B3F27301-026F-470C-852D-61FD378DE2B1}" v="3" dt="2025-07-24T00:21:26.031"/>
+  </p1510:revLst>
+</p1510:revInfo>
+</file>
+
 <file path=ppt/changesInfos/changesInfo1.xml><?xml version="1.0" encoding="utf-8"?>
 <pc:chgInfo xmlns:a="http://schemas.openxmlformats.org/drawingml/2006/main" xmlns:r="http://schemas.openxmlformats.org/officeDocument/2006/relationships" xmlns:ac="http://schemas.microsoft.com/office/drawing/2013/main/command" xmlns:pc="http://schemas.microsoft.com/office/powerpoint/2013/main/command">
   <pc:docChgLst>
     <pc:chgData name="Lei L" userId="fffa66e71c035d84" providerId="LiveId" clId="{B3F27301-026F-470C-852D-61FD378DE2B1}"/>
     <pc:docChg chg="undo custSel addSld delSld modSld">
-      <pc:chgData name="Lei L" userId="fffa66e71c035d84" providerId="LiveId" clId="{B3F27301-026F-470C-852D-61FD378DE2B1}" dt="2025-07-23T21:05:59.095" v="55" actId="2696"/>
+      <pc:chgData name="Lei L" userId="fffa66e71c035d84" providerId="LiveId" clId="{B3F27301-026F-470C-852D-61FD378DE2B1}" dt="2025-07-24T00:25:47.491" v="963" actId="20577"/>
       <pc:docMkLst>
         <pc:docMk/>
       </pc:docMkLst>
       <pc:sldChg chg="modSp mod">
-        <pc:chgData name="Lei L" userId="fffa66e71c035d84" providerId="LiveId" clId="{B3F27301-026F-470C-852D-61FD378DE2B1}" dt="2025-07-23T21:04:04.513" v="14" actId="20577"/>
+        <pc:chgData name="Lei L" userId="fffa66e71c035d84" providerId="LiveId" clId="{B3F27301-026F-470C-852D-61FD378DE2B1}" dt="2025-07-24T00:23:57.519" v="884" actId="20577"/>
         <pc:sldMkLst>
           <pc:docMk/>
           <pc:sldMk cId="1325608595" sldId="257"/>
         </pc:sldMkLst>
         <pc:spChg chg="mod">
-          <ac:chgData name="Lei L" userId="fffa66e71c035d84" providerId="LiveId" clId="{B3F27301-026F-470C-852D-61FD378DE2B1}" dt="2025-07-23T21:04:04.513" v="14" actId="20577"/>
+          <ac:chgData name="Lei L" userId="fffa66e71c035d84" providerId="LiveId" clId="{B3F27301-026F-470C-852D-61FD378DE2B1}" dt="2025-07-24T00:23:57.519" v="884" actId="20577"/>
           <ac:spMkLst>
             <pc:docMk/>
             <pc:sldMk cId="1325608595" sldId="257"/>
@@ -173,13 +181,81 @@
         </pc:sldMkLst>
       </pc:sldChg>
       <pc:sldChg chg="modSp mod">
-        <pc:chgData name="Lei L" userId="fffa66e71c035d84" providerId="LiveId" clId="{B3F27301-026F-470C-852D-61FD378DE2B1}" dt="2025-07-23T21:05:24.812" v="53" actId="20577"/>
+        <pc:chgData name="Lei L" userId="fffa66e71c035d84" providerId="LiveId" clId="{B3F27301-026F-470C-852D-61FD378DE2B1}" dt="2025-07-24T00:21:26.031" v="743"/>
+        <pc:sldMkLst>
+          <pc:docMk/>
+          <pc:sldMk cId="1061405587" sldId="299"/>
+        </pc:sldMkLst>
+        <pc:spChg chg="mod">
+          <ac:chgData name="Lei L" userId="fffa66e71c035d84" providerId="LiveId" clId="{B3F27301-026F-470C-852D-61FD378DE2B1}" dt="2025-07-24T00:21:26.031" v="743"/>
+          <ac:spMkLst>
+            <pc:docMk/>
+            <pc:sldMk cId="1061405587" sldId="299"/>
+            <ac:spMk id="3" creationId="{78B4283D-170B-D318-713D-24F0A22E4448}"/>
+          </ac:spMkLst>
+        </pc:spChg>
+      </pc:sldChg>
+      <pc:sldChg chg="modSp mod">
+        <pc:chgData name="Lei L" userId="fffa66e71c035d84" providerId="LiveId" clId="{B3F27301-026F-470C-852D-61FD378DE2B1}" dt="2025-07-24T00:17:39.973" v="702" actId="27636"/>
+        <pc:sldMkLst>
+          <pc:docMk/>
+          <pc:sldMk cId="1967101489" sldId="300"/>
+        </pc:sldMkLst>
+        <pc:spChg chg="mod">
+          <ac:chgData name="Lei L" userId="fffa66e71c035d84" providerId="LiveId" clId="{B3F27301-026F-470C-852D-61FD378DE2B1}" dt="2025-07-24T00:17:39.973" v="702" actId="27636"/>
+          <ac:spMkLst>
+            <pc:docMk/>
+            <pc:sldMk cId="1967101489" sldId="300"/>
+            <ac:spMk id="4" creationId="{7297CC80-7EB2-D027-53ED-30696A7D27C0}"/>
+          </ac:spMkLst>
+        </pc:spChg>
+      </pc:sldChg>
+      <pc:sldChg chg="modSp mod">
+        <pc:chgData name="Lei L" userId="fffa66e71c035d84" providerId="LiveId" clId="{B3F27301-026F-470C-852D-61FD378DE2B1}" dt="2025-07-24T00:24:30.946" v="942" actId="6549"/>
+        <pc:sldMkLst>
+          <pc:docMk/>
+          <pc:sldMk cId="284298839" sldId="301"/>
+        </pc:sldMkLst>
+        <pc:spChg chg="mod">
+          <ac:chgData name="Lei L" userId="fffa66e71c035d84" providerId="LiveId" clId="{B3F27301-026F-470C-852D-61FD378DE2B1}" dt="2025-07-24T00:24:30.946" v="942" actId="6549"/>
+          <ac:spMkLst>
+            <pc:docMk/>
+            <pc:sldMk cId="284298839" sldId="301"/>
+            <ac:spMk id="2" creationId="{851142EE-2B3B-CD0B-E618-F2C505E45610}"/>
+          </ac:spMkLst>
+        </pc:spChg>
+        <pc:spChg chg="mod">
+          <ac:chgData name="Lei L" userId="fffa66e71c035d84" providerId="LiveId" clId="{B3F27301-026F-470C-852D-61FD378DE2B1}" dt="2025-07-23T23:43:22.381" v="480" actId="27636"/>
+          <ac:spMkLst>
+            <pc:docMk/>
+            <pc:sldMk cId="284298839" sldId="301"/>
+            <ac:spMk id="4" creationId="{C8A94DBF-B0B8-197E-DA5C-13E4392EDE57}"/>
+          </ac:spMkLst>
+        </pc:spChg>
+      </pc:sldChg>
+      <pc:sldChg chg="modSp mod">
+        <pc:chgData name="Lei L" userId="fffa66e71c035d84" providerId="LiveId" clId="{B3F27301-026F-470C-852D-61FD378DE2B1}" dt="2025-07-23T23:39:47.632" v="327" actId="20577"/>
+        <pc:sldMkLst>
+          <pc:docMk/>
+          <pc:sldMk cId="3275672813" sldId="302"/>
+        </pc:sldMkLst>
+        <pc:spChg chg="mod">
+          <ac:chgData name="Lei L" userId="fffa66e71c035d84" providerId="LiveId" clId="{B3F27301-026F-470C-852D-61FD378DE2B1}" dt="2025-07-23T23:39:47.632" v="327" actId="20577"/>
+          <ac:spMkLst>
+            <pc:docMk/>
+            <pc:sldMk cId="3275672813" sldId="302"/>
+            <ac:spMk id="2" creationId="{E27E08C3-DE9E-A091-C183-B8A12197B246}"/>
+          </ac:spMkLst>
+        </pc:spChg>
+      </pc:sldChg>
+      <pc:sldChg chg="modSp mod">
+        <pc:chgData name="Lei L" userId="fffa66e71c035d84" providerId="LiveId" clId="{B3F27301-026F-470C-852D-61FD378DE2B1}" dt="2025-07-24T00:25:47.491" v="963" actId="20577"/>
         <pc:sldMkLst>
           <pc:docMk/>
           <pc:sldMk cId="231129588" sldId="305"/>
         </pc:sldMkLst>
         <pc:spChg chg="mod">
-          <ac:chgData name="Lei L" userId="fffa66e71c035d84" providerId="LiveId" clId="{B3F27301-026F-470C-852D-61FD378DE2B1}" dt="2025-07-23T21:04:19.957" v="29" actId="20577"/>
+          <ac:chgData name="Lei L" userId="fffa66e71c035d84" providerId="LiveId" clId="{B3F27301-026F-470C-852D-61FD378DE2B1}" dt="2025-07-24T00:25:47.491" v="963" actId="20577"/>
           <ac:spMkLst>
             <pc:docMk/>
             <pc:sldMk cId="231129588" sldId="305"/>
@@ -187,7 +263,7 @@
           </ac:spMkLst>
         </pc:spChg>
         <pc:spChg chg="mod">
-          <ac:chgData name="Lei L" userId="fffa66e71c035d84" providerId="LiveId" clId="{B3F27301-026F-470C-852D-61FD378DE2B1}" dt="2025-07-23T21:05:24.812" v="53" actId="20577"/>
+          <ac:chgData name="Lei L" userId="fffa66e71c035d84" providerId="LiveId" clId="{B3F27301-026F-470C-852D-61FD378DE2B1}" dt="2025-07-24T00:19:10.540" v="716" actId="20577"/>
           <ac:spMkLst>
             <pc:docMk/>
             <pc:sldMk cId="231129588" sldId="305"/>
@@ -9508,7 +9584,7 @@
             </a:pPr>
             <a:r>
               <a:rPr lang="en-US" sz="2400" dirty="0"/>
-              <a:t>Step 2 Finding the best Model</a:t>
+              <a:t>Step 2 Compare the models</a:t>
             </a:r>
           </a:p>
           <a:p>
@@ -9518,7 +9594,7 @@
             </a:pPr>
             <a:r>
               <a:rPr lang="en-US" sz="2400" dirty="0"/>
-              <a:t>Step 3 Calculate absolute percent error</a:t>
+              <a:t>Step 3 Model evaluation and selection</a:t>
             </a:r>
           </a:p>
           <a:p>
@@ -9528,10 +9604,14 @@
             </a:pPr>
             <a:r>
               <a:rPr lang="en-US" sz="2400" dirty="0"/>
-              <a:t>Step 4 Model the business using Power model</a:t>
+              <a:t>Step 4 Model the business</a:t>
             </a:r>
           </a:p>
           <a:p>
+            <a:pPr marL="457200" indent="-457200">
+              <a:buFont typeface="Arial" panose="020B0604020202020204" pitchFamily="34" charset="0"/>
+              <a:buChar char="•"/>
+            </a:pPr>
             <a:r>
               <a:rPr lang="en-US" sz="2400" dirty="0"/>
               <a:t>Summarize and take aways</a:t>
@@ -9633,7 +9713,13 @@
           <a:p>
             <a:r>
               <a:rPr lang="en-US" sz="1800" dirty="0"/>
-              <a:t>Top Good Pest Zapper is a company specializing in the manufacturing of electric pest zappers. This year, they have decided to directly market and sell their products, rather than relying on a partner. In response to the highly competitive market landscape, Top Good aims to leverage statistical models to refine their pricing and marketing strategies, enabling more informed decision-making and a stronger market presence.</a:t>
+              <a:t>Top Good Electronics is a company specializing in designing and manufacturing of robotic floor vacuum and mop machine. </a:t>
+            </a:r>
+          </a:p>
+          <a:p>
+            <a:r>
+              <a:rPr lang="en-US" sz="1800" dirty="0"/>
+              <a:t>This year, Top Good has decided to launch a direct marketing campaign and sell its products independently, rather than relying on a distribution partner. In response to the highly competitive market landscape, the company plans to leverage historical data and statistical modeling to refine its pricing strategy—enabling data-driven decision-making and strengthening its market presence.</a:t>
             </a:r>
           </a:p>
         </p:txBody>
@@ -9720,8 +9806,8 @@
         </p:nvSpPr>
         <p:spPr>
           <a:xfrm>
-            <a:off x="9755969" y="1994801"/>
-            <a:ext cx="2025446" cy="4504138"/>
+            <a:off x="9824062" y="1304137"/>
+            <a:ext cx="2170141" cy="4504138"/>
           </a:xfrm>
         </p:spPr>
         <p:txBody>
@@ -9738,7 +9824,40 @@
           <a:p>
             <a:r>
               <a:rPr lang="en-US" sz="1800" dirty="0"/>
-              <a:t>Models: Linear, power, exponential</a:t>
+              <a:t>Models: </a:t>
+            </a:r>
+          </a:p>
+          <a:p>
+            <a:pPr>
+              <a:lnSpc>
+                <a:spcPct val="110000"/>
+              </a:lnSpc>
+            </a:pPr>
+            <a:r>
+              <a:rPr lang="en-US" sz="1800" dirty="0"/>
+              <a:t>Linear, </a:t>
+            </a:r>
+          </a:p>
+          <a:p>
+            <a:pPr>
+              <a:lnSpc>
+                <a:spcPct val="110000"/>
+              </a:lnSpc>
+            </a:pPr>
+            <a:r>
+              <a:rPr lang="en-US" sz="1800" dirty="0"/>
+              <a:t>power,</a:t>
+            </a:r>
+          </a:p>
+          <a:p>
+            <a:pPr>
+              <a:lnSpc>
+                <a:spcPct val="110000"/>
+              </a:lnSpc>
+            </a:pPr>
+            <a:r>
+              <a:rPr lang="en-US" sz="1800" dirty="0"/>
+              <a:t>exponential</a:t>
             </a:r>
           </a:p>
         </p:txBody>
@@ -9831,7 +9950,7 @@
           <a:p>
             <a:r>
               <a:rPr lang="en-US" dirty="0"/>
-              <a:t>Step 2 Finding the best model</a:t>
+              <a:t>Step 2 Compare the models</a:t>
             </a:r>
           </a:p>
         </p:txBody>
@@ -9972,7 +10091,7 @@
           <a:p>
             <a:r>
               <a:rPr lang="en-US" dirty="0"/>
-              <a:t>Step 3 Calculate Abs Percent Error</a:t>
+              <a:t>Step 3 Model evaluation and selection</a:t>
             </a:r>
           </a:p>
         </p:txBody>
@@ -10001,7 +10120,7 @@
         </p:spPr>
         <p:txBody>
           <a:bodyPr>
-            <a:normAutofit/>
+            <a:normAutofit fontScale="92500" lnSpcReduction="10000"/>
           </a:bodyPr>
           <a:lstStyle/>
           <a:p>
@@ -10013,7 +10132,7 @@
           <a:p>
             <a:r>
               <a:rPr lang="en-US" sz="1800" dirty="0"/>
-              <a:t>Among the three models, Power model has the smallest absolute percent error, meaning we can rely on this model for further actions.</a:t>
+              <a:t>Among the three models, the Power model has the smallest absolute percent error, which is consistent with the results observed in the prediction graphs. Therefore, it is the most suitable choice for further analysis.</a:t>
             </a:r>
           </a:p>
         </p:txBody>
@@ -10282,7 +10401,7 @@
           <a:p>
             <a:r>
               <a:rPr lang="en-US" dirty="0"/>
-              <a:t>Summarize &amp; take aways </a:t>
+              <a:t>Conclusion &amp; Take Aways </a:t>
             </a:r>
           </a:p>
         </p:txBody>
@@ -10340,26 +10459,12 @@
               <a:buChar char="•"/>
             </a:pPr>
             <a:r>
-              <a:rPr lang="en-US" sz="1800" b="1" dirty="0"/>
-              <a:t>Inventory Strategy:</a:t>
-            </a:r>
-            <a:r>
-              <a:rPr lang="en-US" sz="1800" dirty="0"/>
-              <a:t> an annual demand of 3,640 units is the optimal quantity for maximizing profit. Deviating from this amount—either too few or too many units—is not recommended.</a:t>
-            </a:r>
-          </a:p>
-          <a:p>
-            <a:pPr marL="342900" indent="-342900">
-              <a:buFont typeface="Arial" panose="020B0604020202020204" pitchFamily="34" charset="0"/>
-              <a:buChar char="•"/>
-            </a:pPr>
-            <a:r>
               <a:rPr lang="en-US" sz="1900" b="1" dirty="0"/>
               <a:t>Pricing strategy: </a:t>
             </a:r>
             <a:r>
               <a:rPr lang="en-US" sz="1900" dirty="0"/>
-              <a:t>price the product at </a:t>
+              <a:t>price the product robotic vacuum at </a:t>
             </a:r>
             <a:r>
               <a:rPr lang="en-US" sz="1900" b="1" dirty="0"/>
@@ -10377,7 +10482,7 @@
             </a:pPr>
             <a:r>
               <a:rPr lang="en-US" sz="1900" dirty="0"/>
-              <a:t>Constrain: optimal pricing and inventory subject to change if the cost of unit changes.</a:t>
+              <a:t>Constrain: optimal pricing subject to change if the cost of unit changes.</a:t>
             </a:r>
           </a:p>
           <a:p>
@@ -11322,6 +11427,15 @@
 </file>
 
 <file path=customXml/item1.xml><?xml version="1.0" encoding="utf-8"?>
+<?mso-contentType ?>
+<FormTemplates xmlns="http://schemas.microsoft.com/sharepoint/v3/contenttype/forms">
+  <Display>DocumentLibraryForm</Display>
+  <Edit>DocumentLibraryForm</Edit>
+  <New>DocumentLibraryForm</New>
+</FormTemplates>
+</file>
+
+<file path=customXml/item2.xml><?xml version="1.0" encoding="utf-8"?>
 <ct:contentTypeSchema xmlns:ct="http://schemas.microsoft.com/office/2006/metadata/contentType" xmlns:ma="http://schemas.microsoft.com/office/2006/metadata/properties/metaAttributes" ct:_="" ma:_="" ma:contentTypeName="Document" ma:contentTypeID="0x01010079F111ED35F8CC479449609E8A0923A6" ma:contentTypeVersion="28" ma:contentTypeDescription="Create a new document." ma:contentTypeScope="" ma:versionID="60f5a4f2d2b0abadcf532d48ebf9cb71">
   <xsd:schema xmlns:xsd="http://www.w3.org/2001/XMLSchema" xmlns:xs="http://www.w3.org/2001/XMLSchema" xmlns:p="http://schemas.microsoft.com/office/2006/metadata/properties" xmlns:ns1="http://schemas.microsoft.com/sharepoint/v3" xmlns:ns2="71af3243-3dd4-4a8d-8c0d-dd76da1f02a5" xmlns:ns3="16c05727-aa75-4e4a-9b5f-8a80a1165891" xmlns:ns4="230e9df3-be65-4c73-a93b-d1236ebd677e" targetNamespace="http://schemas.microsoft.com/office/2006/metadata/properties" ma:root="true" ma:fieldsID="7dd78129e6a1811f84807ad11c651531" ns1:_="" ns2:_="" ns3:_="" ns4:_="">
     <xsd:import namespace="http://schemas.microsoft.com/sharepoint/v3"/>
@@ -11633,15 +11747,6 @@
 </ct:contentTypeSchema>
 </file>
 
-<file path=customXml/item2.xml><?xml version="1.0" encoding="utf-8"?>
-<?mso-contentType ?>
-<FormTemplates xmlns="http://schemas.microsoft.com/sharepoint/v3/contenttype/forms">
-  <Display>DocumentLibraryForm</Display>
-  <Edit>DocumentLibraryForm</Edit>
-  <New>DocumentLibraryForm</New>
-</FormTemplates>
-</file>
-
 <file path=customXml/item3.xml><?xml version="1.0" encoding="utf-8"?>
 <p:properties xmlns:p="http://schemas.microsoft.com/office/2006/metadata/properties" xmlns:xsi="http://www.w3.org/2001/XMLSchema-instance" xmlns:pc="http://schemas.microsoft.com/office/infopath/2007/PartnerControls">
   <documentManagement>
@@ -11663,6 +11768,14 @@
 </file>
 
 <file path=customXml/itemProps1.xml><?xml version="1.0" encoding="utf-8"?>
+<ds:datastoreItem xmlns:ds="http://schemas.openxmlformats.org/officeDocument/2006/customXml" ds:itemID="{45A8381C-73EB-48EA-B45F-7B7C8C7DF409}">
+  <ds:schemaRefs>
+    <ds:schemaRef ds:uri="http://schemas.microsoft.com/sharepoint/v3/contenttype/forms"/>
+  </ds:schemaRefs>
+</ds:datastoreItem>
+</file>
+
+<file path=customXml/itemProps2.xml><?xml version="1.0" encoding="utf-8"?>
 <ds:datastoreItem xmlns:ds="http://schemas.openxmlformats.org/officeDocument/2006/customXml" ds:itemID="{5AA6A711-2C3F-4EC0-B88B-62D740851176}">
   <ds:schemaRefs>
     <ds:schemaRef ds:uri="http://schemas.microsoft.com/office/2006/metadata/contentType"/>
@@ -11683,14 +11796,6 @@
 </ds:datastoreItem>
 </file>
 
-<file path=customXml/itemProps2.xml><?xml version="1.0" encoding="utf-8"?>
-<ds:datastoreItem xmlns:ds="http://schemas.openxmlformats.org/officeDocument/2006/customXml" ds:itemID="{45A8381C-73EB-48EA-B45F-7B7C8C7DF409}">
-  <ds:schemaRefs>
-    <ds:schemaRef ds:uri="http://schemas.microsoft.com/sharepoint/v3/contenttype/forms"/>
-  </ds:schemaRefs>
-</ds:datastoreItem>
-</file>
-
 <file path=customXml/itemProps3.xml><?xml version="1.0" encoding="utf-8"?>
 <ds:datastoreItem xmlns:ds="http://schemas.openxmlformats.org/officeDocument/2006/customXml" ds:itemID="{61E98C35-9ECE-4425-BCBA-00E118C705CE}">
   <ds:schemaRefs>

--- a/Smart pricing using Excel/Maximizing Profitability Through Smart Pricing Presentation.pptx
+++ b/Smart pricing using Excel/Maximizing Profitability Through Smart Pricing Presentation.pptx
@@ -154,7 +154,7 @@
   <pc:docChgLst>
     <pc:chgData name="Lei L" userId="fffa66e71c035d84" providerId="LiveId" clId="{B3F27301-026F-470C-852D-61FD378DE2B1}"/>
     <pc:docChg chg="undo custSel addSld delSld modSld">
-      <pc:chgData name="Lei L" userId="fffa66e71c035d84" providerId="LiveId" clId="{B3F27301-026F-470C-852D-61FD378DE2B1}" dt="2025-07-24T00:25:47.491" v="963" actId="20577"/>
+      <pc:chgData name="Lei L" userId="fffa66e71c035d84" providerId="LiveId" clId="{B3F27301-026F-470C-852D-61FD378DE2B1}" dt="2025-07-24T01:44:35.645" v="979" actId="20577"/>
       <pc:docMkLst>
         <pc:docMk/>
       </pc:docMkLst>
@@ -173,12 +173,20 @@
           </ac:spMkLst>
         </pc:spChg>
       </pc:sldChg>
-      <pc:sldChg chg="add del">
-        <pc:chgData name="Lei L" userId="fffa66e71c035d84" providerId="LiveId" clId="{B3F27301-026F-470C-852D-61FD378DE2B1}" dt="2025-07-23T21:05:59.095" v="55" actId="2696"/>
+      <pc:sldChg chg="modSp add del mod">
+        <pc:chgData name="Lei L" userId="fffa66e71c035d84" providerId="LiveId" clId="{B3F27301-026F-470C-852D-61FD378DE2B1}" dt="2025-07-24T01:44:35.645" v="979" actId="20577"/>
         <pc:sldMkLst>
           <pc:docMk/>
           <pc:sldMk cId="1609673525" sldId="296"/>
         </pc:sldMkLst>
+        <pc:spChg chg="mod">
+          <ac:chgData name="Lei L" userId="fffa66e71c035d84" providerId="LiveId" clId="{B3F27301-026F-470C-852D-61FD378DE2B1}" dt="2025-07-24T01:44:35.645" v="979" actId="20577"/>
+          <ac:spMkLst>
+            <pc:docMk/>
+            <pc:sldMk cId="1609673525" sldId="296"/>
+            <ac:spMk id="5" creationId="{67BB04B7-47A4-741B-59E0-F0E6F2126E8F}"/>
+          </ac:spMkLst>
+        </pc:spChg>
       </pc:sldChg>
       <pc:sldChg chg="modSp mod">
         <pc:chgData name="Lei L" userId="fffa66e71c035d84" providerId="LiveId" clId="{B3F27301-026F-470C-852D-61FD378DE2B1}" dt="2025-07-24T00:21:26.031" v="743"/>
@@ -10611,7 +10619,7 @@
           <a:p>
             <a:r>
               <a:rPr lang="en-US" dirty="0"/>
-              <a:t>408-805-6749</a:t>
+              <a:t>469-892-8857</a:t>
             </a:r>
           </a:p>
           <a:p>
@@ -11427,15 +11435,6 @@
 </file>
 
 <file path=customXml/item1.xml><?xml version="1.0" encoding="utf-8"?>
-<?mso-contentType ?>
-<FormTemplates xmlns="http://schemas.microsoft.com/sharepoint/v3/contenttype/forms">
-  <Display>DocumentLibraryForm</Display>
-  <Edit>DocumentLibraryForm</Edit>
-  <New>DocumentLibraryForm</New>
-</FormTemplates>
-</file>
-
-<file path=customXml/item2.xml><?xml version="1.0" encoding="utf-8"?>
 <ct:contentTypeSchema xmlns:ct="http://schemas.microsoft.com/office/2006/metadata/contentType" xmlns:ma="http://schemas.microsoft.com/office/2006/metadata/properties/metaAttributes" ct:_="" ma:_="" ma:contentTypeName="Document" ma:contentTypeID="0x01010079F111ED35F8CC479449609E8A0923A6" ma:contentTypeVersion="28" ma:contentTypeDescription="Create a new document." ma:contentTypeScope="" ma:versionID="60f5a4f2d2b0abadcf532d48ebf9cb71">
   <xsd:schema xmlns:xsd="http://www.w3.org/2001/XMLSchema" xmlns:xs="http://www.w3.org/2001/XMLSchema" xmlns:p="http://schemas.microsoft.com/office/2006/metadata/properties" xmlns:ns1="http://schemas.microsoft.com/sharepoint/v3" xmlns:ns2="71af3243-3dd4-4a8d-8c0d-dd76da1f02a5" xmlns:ns3="16c05727-aa75-4e4a-9b5f-8a80a1165891" xmlns:ns4="230e9df3-be65-4c73-a93b-d1236ebd677e" targetNamespace="http://schemas.microsoft.com/office/2006/metadata/properties" ma:root="true" ma:fieldsID="7dd78129e6a1811f84807ad11c651531" ns1:_="" ns2:_="" ns3:_="" ns4:_="">
     <xsd:import namespace="http://schemas.microsoft.com/sharepoint/v3"/>
@@ -11747,6 +11746,15 @@
 </ct:contentTypeSchema>
 </file>
 
+<file path=customXml/item2.xml><?xml version="1.0" encoding="utf-8"?>
+<?mso-contentType ?>
+<FormTemplates xmlns="http://schemas.microsoft.com/sharepoint/v3/contenttype/forms">
+  <Display>DocumentLibraryForm</Display>
+  <Edit>DocumentLibraryForm</Edit>
+  <New>DocumentLibraryForm</New>
+</FormTemplates>
+</file>
+
 <file path=customXml/item3.xml><?xml version="1.0" encoding="utf-8"?>
 <p:properties xmlns:p="http://schemas.microsoft.com/office/2006/metadata/properties" xmlns:xsi="http://www.w3.org/2001/XMLSchema-instance" xmlns:pc="http://schemas.microsoft.com/office/infopath/2007/PartnerControls">
   <documentManagement>
@@ -11768,14 +11776,6 @@
 </file>
 
 <file path=customXml/itemProps1.xml><?xml version="1.0" encoding="utf-8"?>
-<ds:datastoreItem xmlns:ds="http://schemas.openxmlformats.org/officeDocument/2006/customXml" ds:itemID="{45A8381C-73EB-48EA-B45F-7B7C8C7DF409}">
-  <ds:schemaRefs>
-    <ds:schemaRef ds:uri="http://schemas.microsoft.com/sharepoint/v3/contenttype/forms"/>
-  </ds:schemaRefs>
-</ds:datastoreItem>
-</file>
-
-<file path=customXml/itemProps2.xml><?xml version="1.0" encoding="utf-8"?>
 <ds:datastoreItem xmlns:ds="http://schemas.openxmlformats.org/officeDocument/2006/customXml" ds:itemID="{5AA6A711-2C3F-4EC0-B88B-62D740851176}">
   <ds:schemaRefs>
     <ds:schemaRef ds:uri="http://schemas.microsoft.com/office/2006/metadata/contentType"/>
@@ -11796,6 +11796,14 @@
 </ds:datastoreItem>
 </file>
 
+<file path=customXml/itemProps2.xml><?xml version="1.0" encoding="utf-8"?>
+<ds:datastoreItem xmlns:ds="http://schemas.openxmlformats.org/officeDocument/2006/customXml" ds:itemID="{45A8381C-73EB-48EA-B45F-7B7C8C7DF409}">
+  <ds:schemaRefs>
+    <ds:schemaRef ds:uri="http://schemas.microsoft.com/sharepoint/v3/contenttype/forms"/>
+  </ds:schemaRefs>
+</ds:datastoreItem>
+</file>
+
 <file path=customXml/itemProps3.xml><?xml version="1.0" encoding="utf-8"?>
 <ds:datastoreItem xmlns:ds="http://schemas.openxmlformats.org/officeDocument/2006/customXml" ds:itemID="{61E98C35-9ECE-4425-BCBA-00E118C705CE}">
   <ds:schemaRefs>
